--- a/R codes RBT/tests pM varying.pptx
+++ b/R codes RBT/tests pM varying.pptx
@@ -13,6 +13,7 @@
     <p:sldId id="262" r:id="rId7"/>
     <p:sldId id="263" r:id="rId8"/>
     <p:sldId id="265" r:id="rId9"/>
+    <p:sldId id="266" r:id="rId10"/>
   </p:sldIdLst>
   <p:sldSz cx="9144000" cy="6858000" type="screen4x3"/>
   <p:notesSz cx="6858000" cy="9144000"/>
@@ -295,7 +296,7 @@
           <a:p>
             <a:fld id="{B71DF348-9DE0-5041-ABB3-D8BAA66A12E1}" type="datetimeFigureOut">
               <a:rPr lang="en-US" smtClean="0"/>
-              <a:t>06/11/17</a:t>
+              <a:t>07/11/17</a:t>
             </a:fld>
             <a:endParaRPr lang="en-US"/>
           </a:p>
@@ -465,7 +466,7 @@
           <a:p>
             <a:fld id="{B71DF348-9DE0-5041-ABB3-D8BAA66A12E1}" type="datetimeFigureOut">
               <a:rPr lang="en-US" smtClean="0"/>
-              <a:t>06/11/17</a:t>
+              <a:t>07/11/17</a:t>
             </a:fld>
             <a:endParaRPr lang="en-US"/>
           </a:p>
@@ -645,7 +646,7 @@
           <a:p>
             <a:fld id="{B71DF348-9DE0-5041-ABB3-D8BAA66A12E1}" type="datetimeFigureOut">
               <a:rPr lang="en-US" smtClean="0"/>
-              <a:t>06/11/17</a:t>
+              <a:t>07/11/17</a:t>
             </a:fld>
             <a:endParaRPr lang="en-US"/>
           </a:p>
@@ -815,7 +816,7 @@
           <a:p>
             <a:fld id="{B71DF348-9DE0-5041-ABB3-D8BAA66A12E1}" type="datetimeFigureOut">
               <a:rPr lang="en-US" smtClean="0"/>
-              <a:t>06/11/17</a:t>
+              <a:t>07/11/17</a:t>
             </a:fld>
             <a:endParaRPr lang="en-US"/>
           </a:p>
@@ -1061,7 +1062,7 @@
           <a:p>
             <a:fld id="{B71DF348-9DE0-5041-ABB3-D8BAA66A12E1}" type="datetimeFigureOut">
               <a:rPr lang="en-US" smtClean="0"/>
-              <a:t>06/11/17</a:t>
+              <a:t>07/11/17</a:t>
             </a:fld>
             <a:endParaRPr lang="en-US"/>
           </a:p>
@@ -1349,7 +1350,7 @@
           <a:p>
             <a:fld id="{B71DF348-9DE0-5041-ABB3-D8BAA66A12E1}" type="datetimeFigureOut">
               <a:rPr lang="en-US" smtClean="0"/>
-              <a:t>06/11/17</a:t>
+              <a:t>07/11/17</a:t>
             </a:fld>
             <a:endParaRPr lang="en-US"/>
           </a:p>
@@ -1771,7 +1772,7 @@
           <a:p>
             <a:fld id="{B71DF348-9DE0-5041-ABB3-D8BAA66A12E1}" type="datetimeFigureOut">
               <a:rPr lang="en-US" smtClean="0"/>
-              <a:t>06/11/17</a:t>
+              <a:t>07/11/17</a:t>
             </a:fld>
             <a:endParaRPr lang="en-US"/>
           </a:p>
@@ -1889,7 +1890,7 @@
           <a:p>
             <a:fld id="{B71DF348-9DE0-5041-ABB3-D8BAA66A12E1}" type="datetimeFigureOut">
               <a:rPr lang="en-US" smtClean="0"/>
-              <a:t>06/11/17</a:t>
+              <a:t>07/11/17</a:t>
             </a:fld>
             <a:endParaRPr lang="en-US"/>
           </a:p>
@@ -1984,7 +1985,7 @@
           <a:p>
             <a:fld id="{B71DF348-9DE0-5041-ABB3-D8BAA66A12E1}" type="datetimeFigureOut">
               <a:rPr lang="en-US" smtClean="0"/>
-              <a:t>06/11/17</a:t>
+              <a:t>07/11/17</a:t>
             </a:fld>
             <a:endParaRPr lang="en-US"/>
           </a:p>
@@ -2261,7 +2262,7 @@
           <a:p>
             <a:fld id="{B71DF348-9DE0-5041-ABB3-D8BAA66A12E1}" type="datetimeFigureOut">
               <a:rPr lang="en-US" smtClean="0"/>
-              <a:t>06/11/17</a:t>
+              <a:t>07/11/17</a:t>
             </a:fld>
             <a:endParaRPr lang="en-US"/>
           </a:p>
@@ -2514,7 +2515,7 @@
           <a:p>
             <a:fld id="{B71DF348-9DE0-5041-ABB3-D8BAA66A12E1}" type="datetimeFigureOut">
               <a:rPr lang="en-US" smtClean="0"/>
-              <a:t>06/11/17</a:t>
+              <a:t>07/11/17</a:t>
             </a:fld>
             <a:endParaRPr lang="en-US"/>
           </a:p>
@@ -2727,7 +2728,7 @@
           <a:p>
             <a:fld id="{B71DF348-9DE0-5041-ABB3-D8BAA66A12E1}" type="datetimeFigureOut">
               <a:rPr lang="en-US" smtClean="0"/>
-              <a:t>06/11/17</a:t>
+              <a:t>07/11/17</a:t>
             </a:fld>
             <a:endParaRPr lang="en-US"/>
           </a:p>
@@ -4428,6 +4429,180 @@
     <p:extLst>
       <p:ext uri="{BB962C8B-B14F-4D97-AF65-F5344CB8AC3E}">
         <p14:creationId xmlns:p14="http://schemas.microsoft.com/office/powerpoint/2010/main" val="4216110171"/>
+      </p:ext>
+    </p:extLst>
+  </p:cSld>
+  <p:clrMapOvr>
+    <a:masterClrMapping/>
+  </p:clrMapOvr>
+</p:sld>
+</file>
+
+<file path=ppt/slides/slide9.xml><?xml version="1.0" encoding="utf-8"?>
+<p:sld xmlns:a="http://schemas.openxmlformats.org/drawingml/2006/main" xmlns:r="http://schemas.openxmlformats.org/officeDocument/2006/relationships" xmlns:p="http://schemas.openxmlformats.org/presentationml/2006/main">
+  <p:cSld>
+    <p:spTree>
+      <p:nvGrpSpPr>
+        <p:cNvPr id="1" name=""/>
+        <p:cNvGrpSpPr/>
+        <p:nvPr/>
+      </p:nvGrpSpPr>
+      <p:grpSpPr>
+        <a:xfrm>
+          <a:off x="0" y="0"/>
+          <a:ext cx="0" cy="0"/>
+          <a:chOff x="0" y="0"/>
+          <a:chExt cx="0" cy="0"/>
+        </a:xfrm>
+      </p:grpSpPr>
+      <p:sp>
+        <p:nvSpPr>
+          <p:cNvPr id="4" name="Rectangle 3"/>
+          <p:cNvSpPr/>
+          <p:nvPr/>
+        </p:nvSpPr>
+        <p:spPr>
+          <a:xfrm>
+            <a:off x="343646" y="0"/>
+            <a:ext cx="8068235" cy="2062103"/>
+          </a:xfrm>
+          <a:prstGeom prst="rect">
+            <a:avLst/>
+          </a:prstGeom>
+        </p:spPr>
+        <p:txBody>
+          <a:bodyPr wrap="square">
+            <a:spAutoFit/>
+          </a:bodyPr>
+          <a:lstStyle/>
+          <a:p>
+            <a:r>
+              <a:rPr lang="en-US" sz="1600" dirty="0" err="1"/>
+              <a:t>param_spring_damper</a:t>
+            </a:r>
+            <a:r>
+              <a:rPr lang="en-US" sz="1600" dirty="0"/>
+              <a:t> = c(</a:t>
+            </a:r>
+            <a:r>
+              <a:rPr lang="en-US" sz="1600" dirty="0" err="1"/>
+              <a:t>ks</a:t>
+            </a:r>
+            <a:r>
+              <a:rPr lang="en-US" sz="1600" dirty="0"/>
+              <a:t> = 0.5, </a:t>
+            </a:r>
+            <a:r>
+              <a:rPr lang="en-US" sz="1600" dirty="0" err="1"/>
+              <a:t>cs</a:t>
+            </a:r>
+            <a:r>
+              <a:rPr lang="en-US" sz="1600" dirty="0"/>
+              <a:t> = 30, Fpert_BPA03 = 0.001, Fpert_BPA3 = 3.5,</a:t>
+            </a:r>
+          </a:p>
+          <a:p>
+            <a:r>
+              <a:rPr lang="en-US" sz="1600" dirty="0"/>
+              <a:t>                        Fpert_BPA30 = 4, Fpert_BPA300 = 20, Fpert_BPA100 = 5)</a:t>
+            </a:r>
+          </a:p>
+          <a:p>
+            <a:endParaRPr lang="en-US" sz="1600" dirty="0"/>
+          </a:p>
+          <a:p>
+            <a:r>
+              <a:rPr lang="en-US" sz="1600" dirty="0" err="1"/>
+              <a:t>tmin</a:t>
+            </a:r>
+            <a:r>
+              <a:rPr lang="en-US" sz="1600" dirty="0"/>
+              <a:t>=0</a:t>
+            </a:r>
+          </a:p>
+          <a:p>
+            <a:r>
+              <a:rPr lang="en-US" sz="1600" dirty="0" err="1"/>
+              <a:t>tmax</a:t>
+            </a:r>
+            <a:r>
+              <a:rPr lang="en-US" sz="1600" dirty="0"/>
+              <a:t>=40</a:t>
+            </a:r>
+          </a:p>
+          <a:p>
+            <a:endParaRPr lang="en-US" sz="1600" dirty="0"/>
+          </a:p>
+          <a:p>
+            <a:r>
+              <a:rPr lang="en-US" sz="1600" dirty="0"/>
+              <a:t># Mode of action "</a:t>
+            </a:r>
+            <a:r>
+              <a:rPr lang="en-US" sz="1600" dirty="0" err="1"/>
+              <a:t>p.M</a:t>
+            </a:r>
+            <a:r>
+              <a:rPr lang="en-US" sz="1600" dirty="0"/>
+              <a:t>", "E.G" or "</a:t>
+            </a:r>
+            <a:r>
+              <a:rPr lang="en-US" sz="1600" dirty="0" err="1"/>
+              <a:t>p_Am</a:t>
+            </a:r>
+            <a:r>
+              <a:rPr lang="en-US" sz="1600" dirty="0"/>
+              <a:t>"</a:t>
+            </a:r>
+          </a:p>
+          <a:p>
+            <a:r>
+              <a:rPr lang="en-US" sz="1600" dirty="0" err="1"/>
+              <a:t>MoA</a:t>
+            </a:r>
+            <a:r>
+              <a:rPr lang="en-US" sz="1600" dirty="0"/>
+              <a:t> = "</a:t>
+            </a:r>
+            <a:r>
+              <a:rPr lang="en-US" sz="1600" dirty="0" err="1"/>
+              <a:t>p.M</a:t>
+            </a:r>
+            <a:r>
+              <a:rPr lang="en-US" sz="1600" dirty="0"/>
+              <a:t>"</a:t>
+            </a:r>
+          </a:p>
+        </p:txBody>
+      </p:sp>
+      <p:pic>
+        <p:nvPicPr>
+          <p:cNvPr id="5" name="Picture 4"/>
+          <p:cNvPicPr>
+            <a:picLocks noChangeAspect="1"/>
+          </p:cNvPicPr>
+          <p:nvPr/>
+        </p:nvPicPr>
+        <p:blipFill>
+          <a:blip r:embed="rId2"/>
+          <a:stretch>
+            <a:fillRect/>
+          </a:stretch>
+        </p:blipFill>
+        <p:spPr>
+          <a:xfrm>
+            <a:off x="0" y="2774272"/>
+            <a:ext cx="9144000" cy="4083728"/>
+          </a:xfrm>
+          <a:prstGeom prst="rect">
+            <a:avLst/>
+          </a:prstGeom>
+        </p:spPr>
+      </p:pic>
+    </p:spTree>
+    <p:extLst>
+      <p:ext uri="{BB962C8B-B14F-4D97-AF65-F5344CB8AC3E}">
+        <p14:creationId xmlns:p14="http://schemas.microsoft.com/office/powerpoint/2010/main" val="3113616181"/>
       </p:ext>
     </p:extLst>
   </p:cSld>
